--- a/Implementing an Automated Solution for the Johnston Timber.pptx
+++ b/Implementing an Automated Solution for the Johnston Timber.pptx
@@ -111,11 +111,16 @@
       </a:defRPr>
     </a:lvl9pPr>
   </p:defaultTextStyle>
+  <p:extLst>
+    <p:ext uri="{EFAFB233-063F-42B5-8137-9DF3F51BA10A}">
+      <p15:sldGuideLst xmlns:p15="http://schemas.microsoft.com/office/powerpoint/2012/main"/>
+    </p:ext>
+  </p:extLst>
 </p:presentation>
 </file>
 
 <file path=ppt/charts/chart1.xml><?xml version="1.0" encoding="utf-8"?>
-<c:chartSpace xmlns:c="http://schemas.openxmlformats.org/drawingml/2006/chart" xmlns:a="http://schemas.openxmlformats.org/drawingml/2006/main" xmlns:r="http://schemas.openxmlformats.org/officeDocument/2006/relationships">
+<c:chartSpace xmlns:c="http://schemas.openxmlformats.org/drawingml/2006/chart" xmlns:a="http://schemas.openxmlformats.org/drawingml/2006/main" xmlns:r="http://schemas.openxmlformats.org/officeDocument/2006/relationships" xmlns:c16r2="http://schemas.microsoft.com/office/drawing/2015/06/chart">
   <c:date1904 val="0"/>
   <c:lang val="en-US"/>
   <c:roundedCorners val="0"/>
@@ -159,7 +164,6 @@
           </a:p>
         </c:rich>
       </c:tx>
-      <c:layout/>
       <c:overlay val="0"/>
       <c:spPr>
         <a:noFill/>
@@ -279,6 +283,11 @@
             </c:numRef>
           </c:val>
           <c:smooth val="0"/>
+          <c:extLst>
+            <c:ext xmlns:c16="http://schemas.microsoft.com/office/drawing/2014/chart" uri="{C3380CC4-5D6E-409C-BE32-E72D297353CC}">
+              <c16:uniqueId val="{00000000-4A88-4E81-A19A-FA20E84F52D5}"/>
+            </c:ext>
+          </c:extLst>
         </c:ser>
         <c:ser>
           <c:idx val="1"/>
@@ -354,6 +363,11 @@
             </c:numRef>
           </c:val>
           <c:smooth val="0"/>
+          <c:extLst>
+            <c:ext xmlns:c16="http://schemas.microsoft.com/office/drawing/2014/chart" uri="{C3380CC4-5D6E-409C-BE32-E72D297353CC}">
+              <c16:uniqueId val="{00000001-4A88-4E81-A19A-FA20E84F52D5}"/>
+            </c:ext>
+          </c:extLst>
         </c:ser>
         <c:ser>
           <c:idx val="2"/>
@@ -414,6 +428,11 @@
             </c:numRef>
           </c:val>
           <c:smooth val="0"/>
+          <c:extLst>
+            <c:ext xmlns:c16="http://schemas.microsoft.com/office/drawing/2014/chart" uri="{C3380CC4-5D6E-409C-BE32-E72D297353CC}">
+              <c16:uniqueId val="{00000002-4A88-4E81-A19A-FA20E84F52D5}"/>
+            </c:ext>
+          </c:extLst>
         </c:ser>
         <c:dLbls>
           <c:showLegendKey val="0"/>
@@ -548,7 +567,6 @@
         <c:idx val="2"/>
         <c:delete val="1"/>
       </c:legendEntry>
-      <c:layout/>
       <c:overlay val="0"/>
       <c:spPr>
         <a:noFill/>
@@ -1256,7 +1274,7 @@
           <a:effectLst/>
           <a:extLst>
             <a:ext uri="{91240B29-F687-4f45-9708-019B960494DF}">
-              <a14:hiddenLine xmlns:a14="http://schemas.microsoft.com/office/drawing/2010/main" xmlns="" w="9525">
+              <a14:hiddenLine xmlns="" xmlns:a14="http://schemas.microsoft.com/office/drawing/2010/main" w="9525">
                 <a:solidFill>
                   <a:srgbClr val="000000"/>
                 </a:solidFill>
@@ -1307,7 +1325,7 @@
           </a:lstStyle>
           <a:p>
             <a:r>
-              <a:rPr lang="en-US" smtClean="0"/>
+              <a:rPr lang="en-US"/>
               <a:t>Click to edit Master title style</a:t>
             </a:r>
             <a:endParaRPr lang="en-US" dirty="0"/>
@@ -1424,7 +1442,7 @@
           </a:lstStyle>
           <a:p>
             <a:r>
-              <a:rPr lang="en-US" smtClean="0"/>
+              <a:rPr lang="en-US"/>
               <a:t>Click to edit Master subtitle style</a:t>
             </a:r>
             <a:endParaRPr lang="en-US" dirty="0"/>
@@ -1449,7 +1467,7 @@
             <a:fld id="{08B9EBBA-996F-894A-B54A-D6246ED52CEA}" type="datetimeFigureOut">
               <a:rPr lang="en-US" dirty="0"/>
               <a:pPr/>
-              <a:t>11-Nov-16</a:t>
+              <a:t>11/11/2016</a:t>
             </a:fld>
             <a:endParaRPr lang="en-US" dirty="0"/>
           </a:p>
@@ -1550,7 +1568,7 @@
           </a:lstStyle>
           <a:p>
             <a:r>
-              <a:rPr lang="en-US" smtClean="0"/>
+              <a:rPr lang="en-US"/>
               <a:t>Click to edit Master title style</a:t>
             </a:r>
             <a:endParaRPr lang="en-US" dirty="0"/>
@@ -1672,7 +1690,7 @@
           </a:lstStyle>
           <a:p>
             <a:r>
-              <a:rPr lang="en-US" smtClean="0"/>
+              <a:rPr lang="en-US"/>
               <a:t>Click icon to add picture</a:t>
             </a:r>
             <a:endParaRPr lang="en-US" dirty="0"/>
@@ -1740,7 +1758,7 @@
           <a:p>
             <a:pPr lvl="0"/>
             <a:r>
-              <a:rPr lang="en-US" smtClean="0"/>
+              <a:rPr lang="en-US"/>
               <a:t>Click to edit Master text styles</a:t>
             </a:r>
           </a:p>
@@ -1764,7 +1782,7 @@
             <a:fld id="{18C79C5D-2A6F-F04D-97DA-BEF2467B64E4}" type="datetimeFigureOut">
               <a:rPr lang="en-US" dirty="0"/>
               <a:pPr/>
-              <a:t>11-Nov-16</a:t>
+              <a:t>11/11/2016</a:t>
             </a:fld>
             <a:endParaRPr lang="en-US" dirty="0"/>
           </a:p>
@@ -2071,7 +2089,7 @@
           </a:lstStyle>
           <a:p>
             <a:r>
-              <a:rPr lang="en-US" smtClean="0"/>
+              <a:rPr lang="en-US"/>
               <a:t>Click to edit Master title style</a:t>
             </a:r>
             <a:endParaRPr lang="en-US" dirty="0"/>
@@ -2191,7 +2209,7 @@
           <a:p>
             <a:pPr lvl="0"/>
             <a:r>
-              <a:rPr lang="en-US" smtClean="0"/>
+              <a:rPr lang="en-US"/>
               <a:t>Click to edit Master text styles</a:t>
             </a:r>
           </a:p>
@@ -2225,7 +2243,7 @@
           <a:p>
             <a:pPr lvl="0"/>
             <a:r>
-              <a:rPr lang="en-US" smtClean="0"/>
+              <a:rPr lang="en-US"/>
               <a:t>Click to edit Master text styles</a:t>
             </a:r>
           </a:p>
@@ -2249,7 +2267,7 @@
             <a:fld id="{8DFA1846-DA80-1C48-A609-854EA85C59AD}" type="datetimeFigureOut">
               <a:rPr lang="en-US" dirty="0"/>
               <a:pPr/>
-              <a:t>11-Nov-16</a:t>
+              <a:t>11/11/2016</a:t>
             </a:fld>
             <a:endParaRPr lang="en-US" dirty="0"/>
           </a:p>
@@ -2556,7 +2574,7 @@
           </a:lstStyle>
           <a:p>
             <a:r>
-              <a:rPr lang="en-US" smtClean="0"/>
+              <a:rPr lang="en-US"/>
               <a:t>Click to edit Master title style</a:t>
             </a:r>
             <a:endParaRPr lang="en-US" dirty="0"/>
@@ -2591,7 +2609,7 @@
           <a:p>
             <a:pPr lvl="0"/>
             <a:r>
-              <a:rPr lang="en-US" smtClean="0"/>
+              <a:rPr lang="en-US"/>
               <a:t>Click to edit Master text styles</a:t>
             </a:r>
           </a:p>
@@ -2615,7 +2633,7 @@
             <a:fld id="{FBF54567-0DE4-3F47-BF90-CB84690072F9}" type="datetimeFigureOut">
               <a:rPr lang="en-US" dirty="0"/>
               <a:pPr/>
-              <a:t>11-Nov-16</a:t>
+              <a:t>11/11/2016</a:t>
             </a:fld>
             <a:endParaRPr lang="en-US" dirty="0"/>
           </a:p>
@@ -2766,7 +2784,7 @@
           <a:ln/>
           <a:extLst>
             <a:ext uri="{91240B29-F687-4f45-9708-019B960494DF}">
-              <a14:hiddenLine xmlns:a14="http://schemas.microsoft.com/office/drawing/2010/main" xmlns="" w="9525">
+              <a14:hiddenLine xmlns="" xmlns:a14="http://schemas.microsoft.com/office/drawing/2010/main" w="9525">
                 <a:solidFill>
                   <a:srgbClr val="000000"/>
                 </a:solidFill>
@@ -2808,7 +2826,7 @@
           <a:lstStyle/>
           <a:p>
             <a:r>
-              <a:rPr lang="en-US" smtClean="0"/>
+              <a:rPr lang="en-US"/>
               <a:t>Click to edit Master title style</a:t>
             </a:r>
             <a:endParaRPr lang="en-US" dirty="0"/>
@@ -2832,35 +2850,35 @@
           <a:p>
             <a:pPr lvl="0"/>
             <a:r>
-              <a:rPr lang="en-US" smtClean="0"/>
+              <a:rPr lang="en-US"/>
               <a:t>Click to edit Master text styles</a:t>
             </a:r>
           </a:p>
           <a:p>
             <a:pPr lvl="1"/>
             <a:r>
-              <a:rPr lang="en-US" smtClean="0"/>
+              <a:rPr lang="en-US"/>
               <a:t>Second level</a:t>
             </a:r>
           </a:p>
           <a:p>
             <a:pPr lvl="2"/>
             <a:r>
-              <a:rPr lang="en-US" smtClean="0"/>
+              <a:rPr lang="en-US"/>
               <a:t>Third level</a:t>
             </a:r>
           </a:p>
           <a:p>
             <a:pPr lvl="3"/>
             <a:r>
-              <a:rPr lang="en-US" smtClean="0"/>
+              <a:rPr lang="en-US"/>
               <a:t>Fourth level</a:t>
             </a:r>
           </a:p>
           <a:p>
             <a:pPr lvl="4"/>
             <a:r>
-              <a:rPr lang="en-US" smtClean="0"/>
+              <a:rPr lang="en-US"/>
               <a:t>Fifth level</a:t>
             </a:r>
             <a:endParaRPr lang="en-US" dirty="0"/>
@@ -2885,7 +2903,7 @@
             <a:fld id="{C6C52C72-DE31-F449-A4ED-4C594FD91407}" type="datetimeFigureOut">
               <a:rPr lang="en-US" dirty="0"/>
               <a:pPr/>
-              <a:t>11-Nov-16</a:t>
+              <a:t>11/11/2016</a:t>
             </a:fld>
             <a:endParaRPr lang="en-US" dirty="0"/>
           </a:p>
@@ -3038,7 +3056,7 @@
           <a:ln/>
           <a:extLst>
             <a:ext uri="{91240B29-F687-4f45-9708-019B960494DF}">
-              <a14:hiddenLine xmlns:a14="http://schemas.microsoft.com/office/drawing/2010/main" xmlns="" w="9525">
+              <a14:hiddenLine xmlns="" xmlns:a14="http://schemas.microsoft.com/office/drawing/2010/main" w="9525">
                 <a:solidFill>
                   <a:srgbClr val="000000"/>
                 </a:solidFill>
@@ -3085,7 +3103,7 @@
           <a:lstStyle/>
           <a:p>
             <a:r>
-              <a:rPr lang="en-US" smtClean="0"/>
+              <a:rPr lang="en-US"/>
               <a:t>Click to edit Master title style</a:t>
             </a:r>
             <a:endParaRPr lang="en-US" dirty="0"/>
@@ -3114,35 +3132,35 @@
           <a:p>
             <a:pPr lvl="0"/>
             <a:r>
-              <a:rPr lang="en-US" smtClean="0"/>
+              <a:rPr lang="en-US"/>
               <a:t>Click to edit Master text styles</a:t>
             </a:r>
           </a:p>
           <a:p>
             <a:pPr lvl="1"/>
             <a:r>
-              <a:rPr lang="en-US" smtClean="0"/>
+              <a:rPr lang="en-US"/>
               <a:t>Second level</a:t>
             </a:r>
           </a:p>
           <a:p>
             <a:pPr lvl="2"/>
             <a:r>
-              <a:rPr lang="en-US" smtClean="0"/>
+              <a:rPr lang="en-US"/>
               <a:t>Third level</a:t>
             </a:r>
           </a:p>
           <a:p>
             <a:pPr lvl="3"/>
             <a:r>
-              <a:rPr lang="en-US" smtClean="0"/>
+              <a:rPr lang="en-US"/>
               <a:t>Fourth level</a:t>
             </a:r>
           </a:p>
           <a:p>
             <a:pPr lvl="4"/>
             <a:r>
-              <a:rPr lang="en-US" smtClean="0"/>
+              <a:rPr lang="en-US"/>
               <a:t>Fifth level</a:t>
             </a:r>
             <a:endParaRPr lang="en-US" dirty="0"/>
@@ -3167,7 +3185,7 @@
             <a:fld id="{ED62726E-379B-B349-9EED-81ED093FA806}" type="datetimeFigureOut">
               <a:rPr lang="en-US" dirty="0"/>
               <a:pPr/>
-              <a:t>11-Nov-16</a:t>
+              <a:t>11/11/2016</a:t>
             </a:fld>
             <a:endParaRPr lang="en-US" dirty="0"/>
           </a:p>
@@ -3318,7 +3336,7 @@
           <a:ln/>
           <a:extLst>
             <a:ext uri="{91240B29-F687-4f45-9708-019B960494DF}">
-              <a14:hiddenLine xmlns:a14="http://schemas.microsoft.com/office/drawing/2010/main" xmlns="" w="9525">
+              <a14:hiddenLine xmlns="" xmlns:a14="http://schemas.microsoft.com/office/drawing/2010/main" w="9525">
                 <a:solidFill>
                   <a:srgbClr val="000000"/>
                 </a:solidFill>
@@ -3365,7 +3383,7 @@
           <a:lstStyle/>
           <a:p>
             <a:r>
-              <a:rPr lang="en-US" smtClean="0"/>
+              <a:rPr lang="en-US"/>
               <a:t>Click to edit Master title style</a:t>
             </a:r>
             <a:endParaRPr lang="en-US" dirty="0"/>
@@ -3394,35 +3412,35 @@
           <a:p>
             <a:pPr lvl="0"/>
             <a:r>
-              <a:rPr lang="en-US" smtClean="0"/>
+              <a:rPr lang="en-US"/>
               <a:t>Click to edit Master text styles</a:t>
             </a:r>
           </a:p>
           <a:p>
             <a:pPr lvl="1"/>
             <a:r>
-              <a:rPr lang="en-US" smtClean="0"/>
+              <a:rPr lang="en-US"/>
               <a:t>Second level</a:t>
             </a:r>
           </a:p>
           <a:p>
             <a:pPr lvl="2"/>
             <a:r>
-              <a:rPr lang="en-US" smtClean="0"/>
+              <a:rPr lang="en-US"/>
               <a:t>Third level</a:t>
             </a:r>
           </a:p>
           <a:p>
             <a:pPr lvl="3"/>
             <a:r>
-              <a:rPr lang="en-US" smtClean="0"/>
+              <a:rPr lang="en-US"/>
               <a:t>Fourth level</a:t>
             </a:r>
           </a:p>
           <a:p>
             <a:pPr lvl="4"/>
             <a:r>
-              <a:rPr lang="en-US" smtClean="0"/>
+              <a:rPr lang="en-US"/>
               <a:t>Fifth level</a:t>
             </a:r>
             <a:endParaRPr lang="en-US" dirty="0"/>
@@ -3447,7 +3465,7 @@
             <a:fld id="{9B3A1323-8D79-1946-B0D7-40001CF92E9D}" type="datetimeFigureOut">
               <a:rPr lang="en-US" dirty="0"/>
               <a:pPr/>
-              <a:t>11-Nov-16</a:t>
+              <a:t>11/11/2016</a:t>
             </a:fld>
             <a:endParaRPr lang="en-US" dirty="0"/>
           </a:p>
@@ -3643,7 +3661,7 @@
           </a:lstStyle>
           <a:p>
             <a:r>
-              <a:rPr lang="en-US" smtClean="0"/>
+              <a:rPr lang="en-US"/>
               <a:t>Click to edit Master title style</a:t>
             </a:r>
             <a:endParaRPr lang="en-US" dirty="0"/>
@@ -3763,7 +3781,7 @@
           <a:p>
             <a:pPr lvl="0"/>
             <a:r>
-              <a:rPr lang="en-US" smtClean="0"/>
+              <a:rPr lang="en-US"/>
               <a:t>Click to edit Master text styles</a:t>
             </a:r>
           </a:p>
@@ -3787,7 +3805,7 @@
             <a:fld id="{8DFA1846-DA80-1C48-A609-854EA85C59AD}" type="datetimeFigureOut">
               <a:rPr lang="en-US" dirty="0"/>
               <a:pPr/>
-              <a:t>11-Nov-16</a:t>
+              <a:t>11/11/2016</a:t>
             </a:fld>
             <a:endParaRPr lang="en-US" dirty="0"/>
           </a:p>
@@ -3938,7 +3956,7 @@
           <a:ln/>
           <a:extLst>
             <a:ext uri="{91240B29-F687-4f45-9708-019B960494DF}">
-              <a14:hiddenLine xmlns:a14="http://schemas.microsoft.com/office/drawing/2010/main" xmlns="" w="9525">
+              <a14:hiddenLine xmlns="" xmlns:a14="http://schemas.microsoft.com/office/drawing/2010/main" w="9525">
                 <a:solidFill>
                   <a:srgbClr val="000000"/>
                 </a:solidFill>
@@ -3980,7 +3998,7 @@
           <a:lstStyle/>
           <a:p>
             <a:r>
-              <a:rPr lang="en-US" smtClean="0"/>
+              <a:rPr lang="en-US"/>
               <a:t>Click to edit Master title style</a:t>
             </a:r>
             <a:endParaRPr lang="en-US" dirty="0"/>
@@ -4011,35 +4029,35 @@
           <a:p>
             <a:pPr lvl="0"/>
             <a:r>
-              <a:rPr lang="en-US" smtClean="0"/>
+              <a:rPr lang="en-US"/>
               <a:t>Click to edit Master text styles</a:t>
             </a:r>
           </a:p>
           <a:p>
             <a:pPr lvl="1"/>
             <a:r>
-              <a:rPr lang="en-US" smtClean="0"/>
+              <a:rPr lang="en-US"/>
               <a:t>Second level</a:t>
             </a:r>
           </a:p>
           <a:p>
             <a:pPr lvl="2"/>
             <a:r>
-              <a:rPr lang="en-US" smtClean="0"/>
+              <a:rPr lang="en-US"/>
               <a:t>Third level</a:t>
             </a:r>
           </a:p>
           <a:p>
             <a:pPr lvl="3"/>
             <a:r>
-              <a:rPr lang="en-US" smtClean="0"/>
+              <a:rPr lang="en-US"/>
               <a:t>Fourth level</a:t>
             </a:r>
           </a:p>
           <a:p>
             <a:pPr lvl="4"/>
             <a:r>
-              <a:rPr lang="en-US" smtClean="0"/>
+              <a:rPr lang="en-US"/>
               <a:t>Fifth level</a:t>
             </a:r>
             <a:endParaRPr lang="en-US" dirty="0"/>
@@ -4070,35 +4088,35 @@
           <a:p>
             <a:pPr lvl="0"/>
             <a:r>
-              <a:rPr lang="en-US" smtClean="0"/>
+              <a:rPr lang="en-US"/>
               <a:t>Click to edit Master text styles</a:t>
             </a:r>
           </a:p>
           <a:p>
             <a:pPr lvl="1"/>
             <a:r>
-              <a:rPr lang="en-US" smtClean="0"/>
+              <a:rPr lang="en-US"/>
               <a:t>Second level</a:t>
             </a:r>
           </a:p>
           <a:p>
             <a:pPr lvl="2"/>
             <a:r>
-              <a:rPr lang="en-US" smtClean="0"/>
+              <a:rPr lang="en-US"/>
               <a:t>Third level</a:t>
             </a:r>
           </a:p>
           <a:p>
             <a:pPr lvl="3"/>
             <a:r>
-              <a:rPr lang="en-US" smtClean="0"/>
+              <a:rPr lang="en-US"/>
               <a:t>Fourth level</a:t>
             </a:r>
           </a:p>
           <a:p>
             <a:pPr lvl="4"/>
             <a:r>
-              <a:rPr lang="en-US" smtClean="0"/>
+              <a:rPr lang="en-US"/>
               <a:t>Fifth level</a:t>
             </a:r>
             <a:endParaRPr lang="en-US" dirty="0"/>
@@ -4123,7 +4141,7 @@
             <a:fld id="{57302355-E14B-8545-A8F8-0FE83CC9D524}" type="datetimeFigureOut">
               <a:rPr lang="en-US" dirty="0"/>
               <a:pPr/>
-              <a:t>11-Nov-16</a:t>
+              <a:t>11/11/2016</a:t>
             </a:fld>
             <a:endParaRPr lang="en-US" dirty="0"/>
           </a:p>
@@ -4274,7 +4292,7 @@
           <a:ln/>
           <a:extLst>
             <a:ext uri="{91240B29-F687-4f45-9708-019B960494DF}">
-              <a14:hiddenLine xmlns:a14="http://schemas.microsoft.com/office/drawing/2010/main" xmlns="" w="9525">
+              <a14:hiddenLine xmlns="" xmlns:a14="http://schemas.microsoft.com/office/drawing/2010/main" w="9525">
                 <a:solidFill>
                   <a:srgbClr val="000000"/>
                 </a:solidFill>
@@ -4320,7 +4338,7 @@
           </a:lstStyle>
           <a:p>
             <a:r>
-              <a:rPr lang="en-US" smtClean="0"/>
+              <a:rPr lang="en-US"/>
               <a:t>Click to edit Master title style</a:t>
             </a:r>
             <a:endParaRPr lang="en-US" dirty="0"/>
@@ -4388,7 +4406,7 @@
           <a:p>
             <a:pPr lvl="0"/>
             <a:r>
-              <a:rPr lang="en-US" smtClean="0"/>
+              <a:rPr lang="en-US"/>
               <a:t>Click to edit Master text styles</a:t>
             </a:r>
           </a:p>
@@ -4418,35 +4436,35 @@
           <a:p>
             <a:pPr lvl="0"/>
             <a:r>
-              <a:rPr lang="en-US" smtClean="0"/>
+              <a:rPr lang="en-US"/>
               <a:t>Click to edit Master text styles</a:t>
             </a:r>
           </a:p>
           <a:p>
             <a:pPr lvl="1"/>
             <a:r>
-              <a:rPr lang="en-US" smtClean="0"/>
+              <a:rPr lang="en-US"/>
               <a:t>Second level</a:t>
             </a:r>
           </a:p>
           <a:p>
             <a:pPr lvl="2"/>
             <a:r>
-              <a:rPr lang="en-US" smtClean="0"/>
+              <a:rPr lang="en-US"/>
               <a:t>Third level</a:t>
             </a:r>
           </a:p>
           <a:p>
             <a:pPr lvl="3"/>
             <a:r>
-              <a:rPr lang="en-US" smtClean="0"/>
+              <a:rPr lang="en-US"/>
               <a:t>Fourth level</a:t>
             </a:r>
           </a:p>
           <a:p>
             <a:pPr lvl="4"/>
             <a:r>
-              <a:rPr lang="en-US" smtClean="0"/>
+              <a:rPr lang="en-US"/>
               <a:t>Fifth level</a:t>
             </a:r>
             <a:endParaRPr lang="en-US" dirty="0"/>
@@ -4514,7 +4532,7 @@
           <a:p>
             <a:pPr lvl="0"/>
             <a:r>
-              <a:rPr lang="en-US" smtClean="0"/>
+              <a:rPr lang="en-US"/>
               <a:t>Click to edit Master text styles</a:t>
             </a:r>
           </a:p>
@@ -4544,35 +4562,35 @@
           <a:p>
             <a:pPr lvl="0"/>
             <a:r>
-              <a:rPr lang="en-US" smtClean="0"/>
+              <a:rPr lang="en-US"/>
               <a:t>Click to edit Master text styles</a:t>
             </a:r>
           </a:p>
           <a:p>
             <a:pPr lvl="1"/>
             <a:r>
-              <a:rPr lang="en-US" smtClean="0"/>
+              <a:rPr lang="en-US"/>
               <a:t>Second level</a:t>
             </a:r>
           </a:p>
           <a:p>
             <a:pPr lvl="2"/>
             <a:r>
-              <a:rPr lang="en-US" smtClean="0"/>
+              <a:rPr lang="en-US"/>
               <a:t>Third level</a:t>
             </a:r>
           </a:p>
           <a:p>
             <a:pPr lvl="3"/>
             <a:r>
-              <a:rPr lang="en-US" smtClean="0"/>
+              <a:rPr lang="en-US"/>
               <a:t>Fourth level</a:t>
             </a:r>
           </a:p>
           <a:p>
             <a:pPr lvl="4"/>
             <a:r>
-              <a:rPr lang="en-US" smtClean="0"/>
+              <a:rPr lang="en-US"/>
               <a:t>Fifth level</a:t>
             </a:r>
             <a:endParaRPr lang="en-US" dirty="0"/>
@@ -4597,7 +4615,7 @@
             <a:fld id="{02640F58-564D-2B4F-AE67-E407BA4FCF45}" type="datetimeFigureOut">
               <a:rPr lang="en-US" dirty="0"/>
               <a:pPr/>
-              <a:t>11-Nov-16</a:t>
+              <a:t>11/11/2016</a:t>
             </a:fld>
             <a:endParaRPr lang="en-US" dirty="0"/>
           </a:p>
@@ -4748,7 +4766,7 @@
           <a:ln/>
           <a:extLst>
             <a:ext uri="{91240B29-F687-4f45-9708-019B960494DF}">
-              <a14:hiddenLine xmlns:a14="http://schemas.microsoft.com/office/drawing/2010/main" xmlns="" w="9525">
+              <a14:hiddenLine xmlns="" xmlns:a14="http://schemas.microsoft.com/office/drawing/2010/main" w="9525">
                 <a:solidFill>
                   <a:srgbClr val="000000"/>
                 </a:solidFill>
@@ -4790,7 +4808,7 @@
           <a:lstStyle/>
           <a:p>
             <a:r>
-              <a:rPr lang="en-US" smtClean="0"/>
+              <a:rPr lang="en-US"/>
               <a:t>Click to edit Master title style</a:t>
             </a:r>
             <a:endParaRPr lang="en-US" dirty="0"/>
@@ -4815,7 +4833,7 @@
             <a:fld id="{F13A34C8-038E-2045-AF43-DF7DBB8E0E9E}" type="datetimeFigureOut">
               <a:rPr lang="en-US" dirty="0"/>
               <a:pPr/>
-              <a:t>11-Nov-16</a:t>
+              <a:t>11/11/2016</a:t>
             </a:fld>
             <a:endParaRPr lang="en-US" dirty="0"/>
           </a:p>
@@ -4907,7 +4925,7 @@
             <a:fld id="{8818C68F-D26B-8F47-958C-23B49CF8A634}" type="datetimeFigureOut">
               <a:rPr lang="en-US" dirty="0"/>
               <a:pPr/>
-              <a:t>11-Nov-16</a:t>
+              <a:t>11/11/2016</a:t>
             </a:fld>
             <a:endParaRPr lang="en-US" dirty="0"/>
           </a:p>
@@ -5171,7 +5189,7 @@
           <a:ln/>
           <a:extLst>
             <a:ext uri="{91240B29-F687-4f45-9708-019B960494DF}">
-              <a14:hiddenLine xmlns:a14="http://schemas.microsoft.com/office/drawing/2010/main" xmlns="" w="9525">
+              <a14:hiddenLine xmlns="" xmlns:a14="http://schemas.microsoft.com/office/drawing/2010/main" w="9525">
                 <a:solidFill>
                   <a:srgbClr val="000000"/>
                 </a:solidFill>
@@ -5222,7 +5240,7 @@
           </a:lstStyle>
           <a:p>
             <a:r>
-              <a:rPr lang="en-US" smtClean="0"/>
+              <a:rPr lang="en-US"/>
               <a:t>Click to edit Master title style</a:t>
             </a:r>
             <a:endParaRPr lang="en-US" dirty="0"/>
@@ -5253,35 +5271,35 @@
           <a:p>
             <a:pPr lvl="0"/>
             <a:r>
-              <a:rPr lang="en-US" smtClean="0"/>
+              <a:rPr lang="en-US"/>
               <a:t>Click to edit Master text styles</a:t>
             </a:r>
           </a:p>
           <a:p>
             <a:pPr lvl="1"/>
             <a:r>
-              <a:rPr lang="en-US" smtClean="0"/>
+              <a:rPr lang="en-US"/>
               <a:t>Second level</a:t>
             </a:r>
           </a:p>
           <a:p>
             <a:pPr lvl="2"/>
             <a:r>
-              <a:rPr lang="en-US" smtClean="0"/>
+              <a:rPr lang="en-US"/>
               <a:t>Third level</a:t>
             </a:r>
           </a:p>
           <a:p>
             <a:pPr lvl="3"/>
             <a:r>
-              <a:rPr lang="en-US" smtClean="0"/>
+              <a:rPr lang="en-US"/>
               <a:t>Fourth level</a:t>
             </a:r>
           </a:p>
           <a:p>
             <a:pPr lvl="4"/>
             <a:r>
-              <a:rPr lang="en-US" smtClean="0"/>
+              <a:rPr lang="en-US"/>
               <a:t>Fifth level</a:t>
             </a:r>
             <a:endParaRPr lang="en-US" dirty="0"/>
@@ -5347,7 +5365,7 @@
           <a:p>
             <a:pPr lvl="0"/>
             <a:r>
-              <a:rPr lang="en-US" smtClean="0"/>
+              <a:rPr lang="en-US"/>
               <a:t>Click to edit Master text styles</a:t>
             </a:r>
           </a:p>
@@ -5371,7 +5389,7 @@
             <a:fld id="{D0DF5E60-9974-AC48-9591-99C2BB44B7CF}" type="datetimeFigureOut">
               <a:rPr lang="en-US" dirty="0"/>
               <a:pPr/>
-              <a:t>11-Nov-16</a:t>
+              <a:t>11/11/2016</a:t>
             </a:fld>
             <a:endParaRPr lang="en-US" dirty="0"/>
           </a:p>
@@ -5472,7 +5490,7 @@
           </a:lstStyle>
           <a:p>
             <a:r>
-              <a:rPr lang="en-US" smtClean="0"/>
+              <a:rPr lang="en-US"/>
               <a:t>Click to edit Master title style</a:t>
             </a:r>
             <a:endParaRPr lang="en-US" dirty="0"/>
@@ -5584,7 +5602,7 @@
           </a:lstStyle>
           <a:p>
             <a:r>
-              <a:rPr lang="en-US" smtClean="0"/>
+              <a:rPr lang="en-US"/>
               <a:t>Click icon to add picture</a:t>
             </a:r>
             <a:endParaRPr lang="en-US" dirty="0"/>
@@ -5652,7 +5670,7 @@
           <a:p>
             <a:pPr lvl="0"/>
             <a:r>
-              <a:rPr lang="en-US" smtClean="0"/>
+              <a:rPr lang="en-US"/>
               <a:t>Click to edit Master text styles</a:t>
             </a:r>
           </a:p>
@@ -5681,7 +5699,7 @@
             <a:fld id="{18C79C5D-2A6F-F04D-97DA-BEF2467B64E4}" type="datetimeFigureOut">
               <a:rPr lang="en-US" dirty="0"/>
               <a:pPr/>
-              <a:t>11-Nov-16</a:t>
+              <a:t>11/11/2016</a:t>
             </a:fld>
             <a:endParaRPr lang="en-US" dirty="0"/>
           </a:p>
@@ -5803,7 +5821,7 @@
           <a:lstStyle/>
           <a:p>
             <a:r>
-              <a:rPr lang="en-US" smtClean="0"/>
+              <a:rPr lang="en-US"/>
               <a:t>Click to edit Master title style</a:t>
             </a:r>
             <a:endParaRPr lang="en-US" dirty="0"/>
@@ -5844,35 +5862,35 @@
           <a:p>
             <a:pPr lvl="0"/>
             <a:r>
-              <a:rPr lang="en-US" smtClean="0"/>
+              <a:rPr lang="en-US"/>
               <a:t>Click to edit Master text styles</a:t>
             </a:r>
           </a:p>
           <a:p>
             <a:pPr lvl="1"/>
             <a:r>
-              <a:rPr lang="en-US" smtClean="0"/>
+              <a:rPr lang="en-US"/>
               <a:t>Second level</a:t>
             </a:r>
           </a:p>
           <a:p>
             <a:pPr lvl="2"/>
             <a:r>
-              <a:rPr lang="en-US" smtClean="0"/>
+              <a:rPr lang="en-US"/>
               <a:t>Third level</a:t>
             </a:r>
           </a:p>
           <a:p>
             <a:pPr lvl="3"/>
             <a:r>
-              <a:rPr lang="en-US" smtClean="0"/>
+              <a:rPr lang="en-US"/>
               <a:t>Fourth level</a:t>
             </a:r>
           </a:p>
           <a:p>
             <a:pPr lvl="4"/>
             <a:r>
-              <a:rPr lang="en-US" smtClean="0"/>
+              <a:rPr lang="en-US"/>
               <a:t>Fifth level</a:t>
             </a:r>
             <a:endParaRPr lang="en-US" dirty="0"/>
@@ -5948,7 +5966,7 @@
             <a:fld id="{09B482E8-6E0E-1B4F-B1FD-C69DB9E858D9}" type="datetimeFigureOut">
               <a:rPr lang="en-US" dirty="0"/>
               <a:pPr/>
-              <a:t>11-Nov-16</a:t>
+              <a:t>11/11/2016</a:t>
             </a:fld>
             <a:endParaRPr lang="en-US" dirty="0"/>
           </a:p>
@@ -6410,10 +6428,9 @@
           <a:lstStyle/>
           <a:p>
             <a:r>
-              <a:rPr lang="en-AU" dirty="0" smtClean="0"/>
+              <a:rPr lang="en-AU" dirty="0"/>
               <a:t>Implementing an Automated Solution for the Johnston Timber Company</a:t>
             </a:r>
-            <a:endParaRPr lang="en-AU" dirty="0"/>
           </a:p>
         </p:txBody>
       </p:sp>
@@ -6435,7 +6452,7 @@
           <a:lstStyle/>
           <a:p>
             <a:r>
-              <a:rPr lang="en-AU" dirty="0" smtClean="0"/>
+              <a:rPr lang="en-AU" dirty="0"/>
               <a:t>William Johnston 		z3373093</a:t>
             </a:r>
           </a:p>
@@ -6490,10 +6507,9 @@
           <a:lstStyle/>
           <a:p>
             <a:r>
-              <a:rPr lang="en-AU" dirty="0" smtClean="0"/>
+              <a:rPr lang="en-AU" dirty="0"/>
               <a:t>Current Process</a:t>
             </a:r>
-            <a:endParaRPr lang="en-AU" dirty="0"/>
           </a:p>
         </p:txBody>
       </p:sp>
@@ -6515,28 +6531,27 @@
           <a:lstStyle/>
           <a:p>
             <a:r>
-              <a:rPr lang="en-AU" sz="2000" dirty="0" smtClean="0"/>
+              <a:rPr lang="en-AU" sz="2000" dirty="0"/>
               <a:t>Currently employ two workers for the spraying of processed timber</a:t>
             </a:r>
           </a:p>
           <a:p>
             <a:r>
-              <a:rPr lang="en-AU" sz="2000" dirty="0" smtClean="0"/>
+              <a:rPr lang="en-AU" sz="2000" dirty="0"/>
               <a:t>Cost $60,000 p.a. each </a:t>
             </a:r>
           </a:p>
           <a:p>
             <a:r>
-              <a:rPr lang="en-AU" sz="2000" dirty="0" smtClean="0"/>
+              <a:rPr lang="en-AU" sz="2000" dirty="0"/>
               <a:t>Output of roughly 200,000 planks per year </a:t>
             </a:r>
           </a:p>
           <a:p>
             <a:r>
-              <a:rPr lang="en-AU" sz="2000" dirty="0" smtClean="0"/>
+              <a:rPr lang="en-AU" sz="2000" dirty="0"/>
               <a:t>Cost of 40 cents per plank in labour</a:t>
             </a:r>
-            <a:endParaRPr lang="en-AU" sz="2000" dirty="0"/>
           </a:p>
         </p:txBody>
       </p:sp>
@@ -6586,10 +6601,9 @@
           <a:lstStyle/>
           <a:p>
             <a:r>
-              <a:rPr lang="en-AU" dirty="0" smtClean="0"/>
+              <a:rPr lang="en-AU" dirty="0"/>
               <a:t>ABB IRB 120</a:t>
             </a:r>
-            <a:endParaRPr lang="en-AU" dirty="0"/>
           </a:p>
         </p:txBody>
       </p:sp>
@@ -6611,28 +6625,27 @@
           <a:lstStyle/>
           <a:p>
             <a:r>
-              <a:rPr lang="en-AU" sz="2000" dirty="0" smtClean="0"/>
-              <a:t>Automated Robot Arm to replace one of the worker, other will remain for purposes of quality control</a:t>
-            </a:r>
-          </a:p>
-          <a:p>
-            <a:r>
-              <a:rPr lang="en-AU" sz="2000" dirty="0" smtClean="0"/>
+              <a:rPr lang="en-AU" sz="2000" dirty="0"/>
+              <a:t>Automated Robot Arm to replace one of the workers, the other will remain for purposes of quality control</a:t>
+            </a:r>
+          </a:p>
+          <a:p>
+            <a:r>
+              <a:rPr lang="en-AU" sz="2000" dirty="0"/>
               <a:t>Faster, more accurate, and more reliable than a single worker</a:t>
             </a:r>
           </a:p>
           <a:p>
             <a:r>
-              <a:rPr lang="en-AU" sz="2000" dirty="0" smtClean="0"/>
+              <a:rPr lang="en-AU" sz="2000" dirty="0"/>
               <a:t>Total implementation cost of $107,100</a:t>
             </a:r>
           </a:p>
           <a:p>
             <a:r>
-              <a:rPr lang="en-AU" sz="2000" dirty="0" smtClean="0"/>
+              <a:rPr lang="en-AU" sz="2000" dirty="0"/>
               <a:t>Lifespan of 10+ years</a:t>
             </a:r>
-            <a:endParaRPr lang="en-AU" sz="2000" dirty="0"/>
           </a:p>
         </p:txBody>
       </p:sp>
@@ -6682,10 +6695,9 @@
           <a:lstStyle/>
           <a:p>
             <a:r>
-              <a:rPr lang="en-AU" dirty="0" smtClean="0"/>
+              <a:rPr lang="en-AU" dirty="0"/>
               <a:t>Overall Equipment Effectiveness</a:t>
             </a:r>
-            <a:endParaRPr lang="en-AU" dirty="0"/>
           </a:p>
         </p:txBody>
       </p:sp>
@@ -6707,25 +6719,25 @@
           <a:lstStyle/>
           <a:p>
             <a:r>
-              <a:rPr lang="en-AU" sz="2000" dirty="0" smtClean="0"/>
+              <a:rPr lang="en-AU" sz="2000" dirty="0"/>
               <a:t>Performance 	95-100% </a:t>
             </a:r>
           </a:p>
           <a:p>
             <a:r>
-              <a:rPr lang="en-AU" sz="2000" dirty="0" smtClean="0"/>
+              <a:rPr lang="en-AU" sz="2000" dirty="0"/>
               <a:t>Availability 		60%</a:t>
             </a:r>
           </a:p>
           <a:p>
             <a:r>
-              <a:rPr lang="en-AU" sz="2000" dirty="0" smtClean="0"/>
+              <a:rPr lang="en-AU" sz="2000" dirty="0"/>
               <a:t>Quality 			95-100%</a:t>
             </a:r>
           </a:p>
           <a:p>
             <a:r>
-              <a:rPr lang="en-AU" sz="2000" dirty="0" smtClean="0"/>
+              <a:rPr lang="en-AU" sz="2000" dirty="0"/>
               <a:t>Total 			54%</a:t>
             </a:r>
           </a:p>
@@ -6733,6 +6745,24 @@
             <a:pPr marL="0" indent="0">
               <a:buNone/>
             </a:pPr>
+            <a:endParaRPr lang="en-US" sz="2000" dirty="0"/>
+          </a:p>
+          <a:p>
+            <a:pPr marL="0" indent="0">
+              <a:buNone/>
+            </a:pPr>
+            <a:r>
+              <a:rPr lang="en-US" sz="2000" dirty="0"/>
+              <a:t>Note: The Availability will increase as the robot limits are determined and time usage is </a:t>
+            </a:r>
+            <a:r>
+              <a:rPr lang="en-US" sz="2000" dirty="0" err="1"/>
+              <a:t>optomised</a:t>
+            </a:r>
+            <a:r>
+              <a:rPr lang="en-US" sz="2000" dirty="0"/>
+              <a:t> </a:t>
+            </a:r>
             <a:endParaRPr lang="en-AU" sz="2000" dirty="0"/>
           </a:p>
         </p:txBody>
@@ -6783,10 +6813,9 @@
           <a:lstStyle/>
           <a:p>
             <a:r>
-              <a:rPr lang="en-AU" dirty="0" smtClean="0"/>
+              <a:rPr lang="en-AU" dirty="0"/>
               <a:t>Payback Period</a:t>
             </a:r>
-            <a:endParaRPr lang="en-AU" dirty="0"/>
           </a:p>
         </p:txBody>
       </p:sp>
@@ -6808,30 +6837,30 @@
           <a:lstStyle/>
           <a:p>
             <a:r>
-              <a:rPr lang="en-AU" sz="2000" dirty="0" smtClean="0"/>
+              <a:rPr lang="en-AU" sz="2000" dirty="0"/>
               <a:t>Total Cost of $107,100</a:t>
             </a:r>
           </a:p>
           <a:p>
             <a:r>
-              <a:rPr lang="en-AU" sz="2000" dirty="0" smtClean="0"/>
+              <a:rPr lang="en-AU" sz="2000" dirty="0"/>
               <a:t>Payback period of under 13 months</a:t>
             </a:r>
           </a:p>
           <a:p>
             <a:r>
-              <a:rPr lang="en-AU" sz="2000" dirty="0" smtClean="0"/>
+              <a:rPr lang="en-AU" sz="2000" dirty="0"/>
               <a:t>Expected 9 years of operation past the payback period </a:t>
             </a:r>
           </a:p>
           <a:p>
             <a:r>
-              <a:rPr lang="en-AU" sz="2000" dirty="0" smtClean="0"/>
+              <a:rPr lang="en-AU" sz="2000" dirty="0"/>
               <a:t>Ongoing costs $6,000 p.a.</a:t>
             </a:r>
           </a:p>
           <a:p>
-            <a:endParaRPr lang="en-AU" sz="2000" dirty="0" smtClean="0"/>
+            <a:endParaRPr lang="en-AU" sz="2000" dirty="0"/>
           </a:p>
         </p:txBody>
       </p:sp>
@@ -6881,10 +6910,9 @@
           <a:lstStyle/>
           <a:p>
             <a:r>
-              <a:rPr lang="en-AU" dirty="0" smtClean="0"/>
+              <a:rPr lang="en-AU" dirty="0"/>
               <a:t>Cumulative Costs</a:t>
             </a:r>
-            <a:endParaRPr lang="en-AU" dirty="0"/>
           </a:p>
         </p:txBody>
       </p:sp>
@@ -6956,10 +6984,9 @@
           <a:lstStyle/>
           <a:p>
             <a:r>
-              <a:rPr lang="en-AU" dirty="0" smtClean="0"/>
+              <a:rPr lang="en-AU" dirty="0"/>
               <a:t>Productivity</a:t>
             </a:r>
-            <a:endParaRPr lang="en-AU" dirty="0"/>
           </a:p>
         </p:txBody>
       </p:sp>
@@ -6981,19 +7008,19 @@
           <a:lstStyle/>
           <a:p>
             <a:r>
-              <a:rPr lang="en-AU" sz="2000" dirty="0" smtClean="0"/>
+              <a:rPr lang="en-AU" sz="2000" dirty="0"/>
               <a:t>Currently producing 200,000 planks per year with two workers</a:t>
             </a:r>
           </a:p>
           <a:p>
             <a:r>
-              <a:rPr lang="en-AU" sz="2000" dirty="0" smtClean="0"/>
+              <a:rPr lang="en-AU" sz="2000" dirty="0"/>
               <a:t>Single robot arm has an expected output of 270,000 planks per year</a:t>
             </a:r>
           </a:p>
           <a:p>
             <a:r>
-              <a:rPr lang="en-AU" sz="2000" dirty="0" smtClean="0"/>
+              <a:rPr lang="en-AU" sz="2000" dirty="0"/>
               <a:t>Productivity increased by 35% </a:t>
             </a:r>
           </a:p>
@@ -7051,10 +7078,9 @@
           <a:lstStyle/>
           <a:p>
             <a:r>
-              <a:rPr lang="en-AU" dirty="0" smtClean="0"/>
+              <a:rPr lang="en-AU" dirty="0"/>
               <a:t>Safety</a:t>
             </a:r>
-            <a:endParaRPr lang="en-AU" dirty="0"/>
           </a:p>
         </p:txBody>
       </p:sp>
@@ -7076,28 +7102,27 @@
           <a:lstStyle/>
           <a:p>
             <a:r>
-              <a:rPr lang="en-AU" sz="2000" dirty="0" smtClean="0"/>
+              <a:rPr lang="en-AU" sz="2000" dirty="0"/>
               <a:t>Will have to conform to strict Australian Safety Standards</a:t>
             </a:r>
           </a:p>
           <a:p>
             <a:r>
-              <a:rPr lang="en-AU" sz="2000" dirty="0" smtClean="0"/>
+              <a:rPr lang="en-AU" sz="2000" dirty="0"/>
               <a:t>Increase safety inside processing plant</a:t>
             </a:r>
           </a:p>
           <a:p>
             <a:r>
-              <a:rPr lang="en-AU" sz="2000" dirty="0" smtClean="0"/>
+              <a:rPr lang="en-AU" sz="2000" dirty="0"/>
               <a:t>Remove workers from hazardous areas</a:t>
             </a:r>
           </a:p>
           <a:p>
             <a:r>
-              <a:rPr lang="en-AU" sz="2000" dirty="0" smtClean="0"/>
+              <a:rPr lang="en-AU" sz="2000" dirty="0"/>
               <a:t>Workplace injuries expected to be drastically reduced</a:t>
             </a:r>
-            <a:endParaRPr lang="en-AU" sz="2000" dirty="0"/>
           </a:p>
         </p:txBody>
       </p:sp>
